--- a/lecture-slides/lab-activity/Two-group-comparison-output.pptx
+++ b/lecture-slides/lab-activity/Two-group-comparison-output.pptx
@@ -268,7 +268,7 @@
           <a:p>
             <a:fld id="{5E048AA7-B1BB-684B-BF0A-3C86290A205C}" type="datetimeFigureOut">
               <a:rPr lang="en-US" smtClean="0"/>
-              <a:t>10/20/21</a:t>
+              <a:t>11/20/21</a:t>
             </a:fld>
             <a:endParaRPr lang="en-US"/>
           </a:p>
@@ -466,7 +466,7 @@
           <a:p>
             <a:fld id="{5E048AA7-B1BB-684B-BF0A-3C86290A205C}" type="datetimeFigureOut">
               <a:rPr lang="en-US" smtClean="0"/>
-              <a:t>10/20/21</a:t>
+              <a:t>11/20/21</a:t>
             </a:fld>
             <a:endParaRPr lang="en-US"/>
           </a:p>
@@ -674,7 +674,7 @@
           <a:p>
             <a:fld id="{5E048AA7-B1BB-684B-BF0A-3C86290A205C}" type="datetimeFigureOut">
               <a:rPr lang="en-US" smtClean="0"/>
-              <a:t>10/20/21</a:t>
+              <a:t>11/20/21</a:t>
             </a:fld>
             <a:endParaRPr lang="en-US"/>
           </a:p>
@@ -872,7 +872,7 @@
           <a:p>
             <a:fld id="{5E048AA7-B1BB-684B-BF0A-3C86290A205C}" type="datetimeFigureOut">
               <a:rPr lang="en-US" smtClean="0"/>
-              <a:t>10/20/21</a:t>
+              <a:t>11/20/21</a:t>
             </a:fld>
             <a:endParaRPr lang="en-US"/>
           </a:p>
@@ -1147,7 +1147,7 @@
           <a:p>
             <a:fld id="{5E048AA7-B1BB-684B-BF0A-3C86290A205C}" type="datetimeFigureOut">
               <a:rPr lang="en-US" smtClean="0"/>
-              <a:t>10/20/21</a:t>
+              <a:t>11/20/21</a:t>
             </a:fld>
             <a:endParaRPr lang="en-US"/>
           </a:p>
@@ -1412,7 +1412,7 @@
           <a:p>
             <a:fld id="{5E048AA7-B1BB-684B-BF0A-3C86290A205C}" type="datetimeFigureOut">
               <a:rPr lang="en-US" smtClean="0"/>
-              <a:t>10/20/21</a:t>
+              <a:t>11/20/21</a:t>
             </a:fld>
             <a:endParaRPr lang="en-US"/>
           </a:p>
@@ -1824,7 +1824,7 @@
           <a:p>
             <a:fld id="{5E048AA7-B1BB-684B-BF0A-3C86290A205C}" type="datetimeFigureOut">
               <a:rPr lang="en-US" smtClean="0"/>
-              <a:t>10/20/21</a:t>
+              <a:t>11/20/21</a:t>
             </a:fld>
             <a:endParaRPr lang="en-US"/>
           </a:p>
@@ -1965,7 +1965,7 @@
           <a:p>
             <a:fld id="{5E048AA7-B1BB-684B-BF0A-3C86290A205C}" type="datetimeFigureOut">
               <a:rPr lang="en-US" smtClean="0"/>
-              <a:t>10/20/21</a:t>
+              <a:t>11/20/21</a:t>
             </a:fld>
             <a:endParaRPr lang="en-US"/>
           </a:p>
@@ -2078,7 +2078,7 @@
           <a:p>
             <a:fld id="{5E048AA7-B1BB-684B-BF0A-3C86290A205C}" type="datetimeFigureOut">
               <a:rPr lang="en-US" smtClean="0"/>
-              <a:t>10/20/21</a:t>
+              <a:t>11/20/21</a:t>
             </a:fld>
             <a:endParaRPr lang="en-US"/>
           </a:p>
@@ -2389,7 +2389,7 @@
           <a:p>
             <a:fld id="{5E048AA7-B1BB-684B-BF0A-3C86290A205C}" type="datetimeFigureOut">
               <a:rPr lang="en-US" smtClean="0"/>
-              <a:t>10/20/21</a:t>
+              <a:t>11/20/21</a:t>
             </a:fld>
             <a:endParaRPr lang="en-US"/>
           </a:p>
@@ -2677,7 +2677,7 @@
           <a:p>
             <a:fld id="{5E048AA7-B1BB-684B-BF0A-3C86290A205C}" type="datetimeFigureOut">
               <a:rPr lang="en-US" smtClean="0"/>
-              <a:t>10/20/21</a:t>
+              <a:t>11/20/21</a:t>
             </a:fld>
             <a:endParaRPr lang="en-US"/>
           </a:p>
@@ -2918,7 +2918,7 @@
           <a:p>
             <a:fld id="{5E048AA7-B1BB-684B-BF0A-3C86290A205C}" type="datetimeFigureOut">
               <a:rPr lang="en-US" smtClean="0"/>
-              <a:t>10/20/21</a:t>
+              <a:t>11/20/21</a:t>
             </a:fld>
             <a:endParaRPr lang="en-US"/>
           </a:p>
@@ -3559,8 +3559,8 @@
         </p:blipFill>
         <p:spPr bwMode="auto">
           <a:xfrm>
-            <a:off x="2147672" y="1252892"/>
-            <a:ext cx="9108463" cy="3333776"/>
+            <a:off x="1606759" y="1862697"/>
+            <a:ext cx="8361489" cy="2307107"/>
           </a:xfrm>
           <a:prstGeom prst="rect">
             <a:avLst/>
@@ -3640,8 +3640,13 @@
             </a:pPr>
             <a:r>
               <a:rPr lang="en-US" dirty="0"/>
-              <a:t>t is Mean difference divided by standard error difference</a:t>
-            </a:r>
+              <a:t>t is Mean difference divided by standard error </a:t>
+            </a:r>
+            <a:r>
+              <a:rPr lang="en-US"/>
+              <a:t>of the difference</a:t>
+            </a:r>
+            <a:endParaRPr lang="en-US" dirty="0"/>
           </a:p>
           <a:p>
             <a:pPr marL="742950" lvl="1" indent="-285750">
@@ -3995,7 +4000,7 @@
             </a:pPr>
             <a:r>
               <a:rPr lang="en-US" dirty="0"/>
-              <a:t>t is Mean difference divided by standard error difference</a:t>
+              <a:t>t is Mean difference divided by standard error of the difference</a:t>
             </a:r>
           </a:p>
           <a:p>
@@ -4031,7 +4036,7 @@
             </a:r>
             <a:r>
               <a:rPr lang="en-US" dirty="0"/>
-              <a:t>” specifies two-tailed p-value (other options are “less” or “greater”</a:t>
+              <a:t>” specifies two-tailed p-value (other options are “less” or “greater”)</a:t>
             </a:r>
           </a:p>
           <a:p>
@@ -4075,8 +4080,8 @@
         </p:blipFill>
         <p:spPr>
           <a:xfrm>
-            <a:off x="1003837" y="1159100"/>
-            <a:ext cx="7341673" cy="3574384"/>
+            <a:off x="1003838" y="1898988"/>
+            <a:ext cx="5821966" cy="2834496"/>
           </a:xfrm>
           <a:prstGeom prst="rect">
             <a:avLst/>
@@ -4439,7 +4444,7 @@
         <p:spPr>
           <a:xfrm>
             <a:off x="838200" y="2278063"/>
-            <a:ext cx="6311900" cy="1016000"/>
+            <a:ext cx="4339107" cy="698448"/>
           </a:xfrm>
           <a:prstGeom prst="rect">
             <a:avLst/>
@@ -4503,8 +4508,8 @@
         </p:blipFill>
         <p:spPr>
           <a:xfrm>
-            <a:off x="912341" y="2167793"/>
-            <a:ext cx="5588358" cy="2337680"/>
+            <a:off x="808418" y="3041168"/>
+            <a:ext cx="4097541" cy="1714053"/>
           </a:xfrm>
           <a:prstGeom prst="rect">
             <a:avLst/>
@@ -4533,8 +4538,8 @@
         </p:blipFill>
         <p:spPr>
           <a:xfrm>
-            <a:off x="6921363" y="4470800"/>
-            <a:ext cx="3776323" cy="2650356"/>
+            <a:off x="1030310" y="5227128"/>
+            <a:ext cx="2031961" cy="1426102"/>
           </a:xfrm>
           <a:prstGeom prst="rect">
             <a:avLst/>
@@ -4563,8 +4568,8 @@
         </p:blipFill>
         <p:spPr>
           <a:xfrm>
-            <a:off x="-6260597" y="4706327"/>
-            <a:ext cx="22117837" cy="1663565"/>
+            <a:off x="1030311" y="4729477"/>
+            <a:ext cx="5756856" cy="432994"/>
           </a:xfrm>
           <a:prstGeom prst="rect">
             <a:avLst/>
@@ -4722,7 +4727,7 @@
         </p:nvSpPr>
         <p:spPr>
           <a:xfrm>
-            <a:off x="499592" y="1744326"/>
+            <a:off x="489040" y="1422354"/>
             <a:ext cx="6399283" cy="4351338"/>
           </a:xfrm>
         </p:spPr>
@@ -4847,8 +4852,8 @@
         </p:blipFill>
         <p:spPr>
           <a:xfrm>
-            <a:off x="731863" y="2194957"/>
-            <a:ext cx="5913636" cy="812258"/>
+            <a:off x="953403" y="2321324"/>
+            <a:ext cx="5009515" cy="688074"/>
           </a:xfrm>
           <a:prstGeom prst="rect">
             <a:avLst/>
